--- a/LectureNotes/Classes.pptx
+++ b/LectureNotes/Classes.pptx
@@ -4071,8 +4071,8 @@
               <a:t>And an intro to </a:t>
             </a:r>
             <a:r>
-              <a:rPr lang="en-US" altLang="en-US" sz="3200" dirty="0" err="1" smtClean="0"/>
-              <a:t>inerheritance</a:t>
+              <a:rPr lang="en-US" altLang="en-US" sz="3200" dirty="0" smtClean="0"/>
+              <a:t>inheritance</a:t>
             </a:r>
             <a:endParaRPr lang="en-US" altLang="en-US" sz="3200" dirty="0"/>
           </a:p>
@@ -4775,6 +4775,13 @@
   <p:clrMapOvr>
     <a:masterClrMapping/>
   </p:clrMapOvr>
+  <p:timing>
+    <p:tnLst>
+      <p:par>
+        <p:cTn id="1" dur="indefinite" restart="never" nodeType="tmRoot"/>
+      </p:par>
+    </p:tnLst>
+  </p:timing>
 </p:sld>
 </file>
 
@@ -4936,6 +4943,13 @@
   <p:clrMapOvr>
     <a:masterClrMapping/>
   </p:clrMapOvr>
+  <p:timing>
+    <p:tnLst>
+      <p:par>
+        <p:cTn id="1" dur="indefinite" restart="never" nodeType="tmRoot"/>
+      </p:par>
+    </p:tnLst>
+  </p:timing>
 </p:sld>
 </file>
 
@@ -5019,6 +5033,13 @@
   <p:clrMapOvr>
     <a:masterClrMapping/>
   </p:clrMapOvr>
+  <p:timing>
+    <p:tnLst>
+      <p:par>
+        <p:cTn id="1" dur="indefinite" restart="never" nodeType="tmRoot"/>
+      </p:par>
+    </p:tnLst>
+  </p:timing>
 </p:sld>
 </file>
 
@@ -5126,6 +5147,13 @@
   <p:clrMapOvr>
     <a:masterClrMapping/>
   </p:clrMapOvr>
+  <p:timing>
+    <p:tnLst>
+      <p:par>
+        <p:cTn id="1" dur="indefinite" restart="never" nodeType="tmRoot"/>
+      </p:par>
+    </p:tnLst>
+  </p:timing>
 </p:sld>
 </file>
 
@@ -5257,6 +5285,13 @@
   <p:clrMapOvr>
     <a:masterClrMapping/>
   </p:clrMapOvr>
+  <p:timing>
+    <p:tnLst>
+      <p:par>
+        <p:cTn id="1" dur="indefinite" restart="never" nodeType="tmRoot"/>
+      </p:par>
+    </p:tnLst>
+  </p:timing>
 </p:sld>
 </file>
 
@@ -5351,6 +5386,13 @@
   <p:clrMapOvr>
     <a:masterClrMapping/>
   </p:clrMapOvr>
+  <p:timing>
+    <p:tnLst>
+      <p:par>
+        <p:cTn id="1" dur="indefinite" restart="never" nodeType="tmRoot"/>
+      </p:par>
+    </p:tnLst>
+  </p:timing>
 </p:sld>
 </file>
 
@@ -5451,6 +5493,13 @@
   <p:clrMapOvr>
     <a:masterClrMapping/>
   </p:clrMapOvr>
+  <p:timing>
+    <p:tnLst>
+      <p:par>
+        <p:cTn id="1" dur="indefinite" restart="never" nodeType="tmRoot"/>
+      </p:par>
+    </p:tnLst>
+  </p:timing>
 </p:sld>
 </file>
 
@@ -5720,6 +5769,13 @@
   <p:clrMapOvr>
     <a:masterClrMapping/>
   </p:clrMapOvr>
+  <p:timing>
+    <p:tnLst>
+      <p:par>
+        <p:cTn id="1" dur="indefinite" restart="never" nodeType="tmRoot"/>
+      </p:par>
+    </p:tnLst>
+  </p:timing>
 </p:sld>
 </file>
 
@@ -6165,6 +6221,13 @@
   <p:clrMapOvr>
     <a:masterClrMapping/>
   </p:clrMapOvr>
+  <p:timing>
+    <p:tnLst>
+      <p:par>
+        <p:cTn id="1" dur="indefinite" restart="never" nodeType="tmRoot"/>
+      </p:par>
+    </p:tnLst>
+  </p:timing>
 </p:sld>
 </file>
 
@@ -6301,6 +6364,13 @@
   <p:clrMapOvr>
     <a:masterClrMapping/>
   </p:clrMapOvr>
+  <p:timing>
+    <p:tnLst>
+      <p:par>
+        <p:cTn id="1" dur="indefinite" restart="never" nodeType="tmRoot"/>
+      </p:par>
+    </p:tnLst>
+  </p:timing>
 </p:sld>
 </file>
 
@@ -6419,6 +6489,13 @@
   <p:clrMapOvr>
     <a:masterClrMapping/>
   </p:clrMapOvr>
+  <p:timing>
+    <p:tnLst>
+      <p:par>
+        <p:cTn id="1" dur="indefinite" restart="never" nodeType="tmRoot"/>
+      </p:par>
+    </p:tnLst>
+  </p:timing>
 </p:sld>
 </file>
 
@@ -6515,6 +6592,13 @@
   <p:clrMapOvr>
     <a:masterClrMapping/>
   </p:clrMapOvr>
+  <p:timing>
+    <p:tnLst>
+      <p:par>
+        <p:cTn id="1" dur="indefinite" restart="never" nodeType="tmRoot"/>
+      </p:par>
+    </p:tnLst>
+  </p:timing>
 </p:sld>
 </file>
 
@@ -6634,6 +6718,13 @@
   <p:clrMapOvr>
     <a:masterClrMapping/>
   </p:clrMapOvr>
+  <p:timing>
+    <p:tnLst>
+      <p:par>
+        <p:cTn id="1" dur="indefinite" restart="never" nodeType="tmRoot"/>
+      </p:par>
+    </p:tnLst>
+  </p:timing>
 </p:sld>
 </file>
 
@@ -6848,6 +6939,13 @@
   <p:clrMapOvr>
     <a:masterClrMapping/>
   </p:clrMapOvr>
+  <p:timing>
+    <p:tnLst>
+      <p:par>
+        <p:cTn id="1" dur="indefinite" restart="never" nodeType="tmRoot"/>
+      </p:par>
+    </p:tnLst>
+  </p:timing>
 </p:sld>
 </file>
 
@@ -7227,6 +7325,13 @@
   <p:clrMapOvr>
     <a:masterClrMapping/>
   </p:clrMapOvr>
+  <p:timing>
+    <p:tnLst>
+      <p:par>
+        <p:cTn id="1" dur="indefinite" restart="never" nodeType="tmRoot"/>
+      </p:par>
+    </p:tnLst>
+  </p:timing>
 </p:sld>
 </file>
 
@@ -7315,6 +7420,13 @@
   <p:clrMapOvr>
     <a:masterClrMapping/>
   </p:clrMapOvr>
+  <p:timing>
+    <p:tnLst>
+      <p:par>
+        <p:cTn id="1" dur="indefinite" restart="never" nodeType="tmRoot"/>
+      </p:par>
+    </p:tnLst>
+  </p:timing>
 </p:sld>
 </file>
 
@@ -7422,6 +7534,13 @@
   <p:clrMapOvr>
     <a:masterClrMapping/>
   </p:clrMapOvr>
+  <p:timing>
+    <p:tnLst>
+      <p:par>
+        <p:cTn id="1" dur="indefinite" restart="never" nodeType="tmRoot"/>
+      </p:par>
+    </p:tnLst>
+  </p:timing>
 </p:sld>
 </file>
 
@@ -7793,6 +7912,13 @@
   <p:clrMapOvr>
     <a:masterClrMapping/>
   </p:clrMapOvr>
+  <p:timing>
+    <p:tnLst>
+      <p:par>
+        <p:cTn id="1" dur="indefinite" restart="never" nodeType="tmRoot"/>
+      </p:par>
+    </p:tnLst>
+  </p:timing>
 </p:sld>
 </file>
 
@@ -7984,6 +8110,13 @@
   <p:clrMapOvr>
     <a:masterClrMapping/>
   </p:clrMapOvr>
+  <p:timing>
+    <p:tnLst>
+      <p:par>
+        <p:cTn id="1" dur="indefinite" restart="never" nodeType="tmRoot"/>
+      </p:par>
+    </p:tnLst>
+  </p:timing>
 </p:sld>
 </file>
 
@@ -8072,6 +8205,13 @@
   <p:clrMapOvr>
     <a:masterClrMapping/>
   </p:clrMapOvr>
+  <p:timing>
+    <p:tnLst>
+      <p:par>
+        <p:cTn id="1" dur="indefinite" restart="never" nodeType="tmRoot"/>
+      </p:par>
+    </p:tnLst>
+  </p:timing>
 </p:sld>
 </file>
 
@@ -8153,6 +8293,13 @@
   <p:clrMapOvr>
     <a:masterClrMapping/>
   </p:clrMapOvr>
+  <p:timing>
+    <p:tnLst>
+      <p:par>
+        <p:cTn id="1" dur="indefinite" restart="never" nodeType="tmRoot"/>
+      </p:par>
+    </p:tnLst>
+  </p:timing>
 </p:sld>
 </file>
 
@@ -8389,6 +8536,13 @@
   <p:clrMapOvr>
     <a:masterClrMapping/>
   </p:clrMapOvr>
+  <p:timing>
+    <p:tnLst>
+      <p:par>
+        <p:cTn id="1" dur="indefinite" restart="never" nodeType="tmRoot"/>
+      </p:par>
+    </p:tnLst>
+  </p:timing>
 </p:sld>
 </file>
 
@@ -8673,6 +8827,13 @@
   <p:clrMapOvr>
     <a:masterClrMapping/>
   </p:clrMapOvr>
+  <p:timing>
+    <p:tnLst>
+      <p:par>
+        <p:cTn id="1" dur="indefinite" restart="never" nodeType="tmRoot"/>
+      </p:par>
+    </p:tnLst>
+  </p:timing>
 </p:sld>
 </file>
 
@@ -8780,6 +8941,13 @@
   <p:clrMapOvr>
     <a:masterClrMapping/>
   </p:clrMapOvr>
+  <p:timing>
+    <p:tnLst>
+      <p:par>
+        <p:cTn id="1" dur="indefinite" restart="never" nodeType="tmRoot"/>
+      </p:par>
+    </p:tnLst>
+  </p:timing>
 </p:sld>
 </file>
 
@@ -8892,6 +9060,13 @@
   <p:clrMapOvr>
     <a:masterClrMapping/>
   </p:clrMapOvr>
+  <p:timing>
+    <p:tnLst>
+      <p:par>
+        <p:cTn id="1" dur="indefinite" restart="never" nodeType="tmRoot"/>
+      </p:par>
+    </p:tnLst>
+  </p:timing>
 </p:sld>
 </file>
 
@@ -8988,6 +9163,13 @@
   <p:clrMapOvr>
     <a:masterClrMapping/>
   </p:clrMapOvr>
+  <p:timing>
+    <p:tnLst>
+      <p:par>
+        <p:cTn id="1" dur="indefinite" restart="never" nodeType="tmRoot"/>
+      </p:par>
+    </p:tnLst>
+  </p:timing>
 </p:sld>
 </file>
 
@@ -9148,6 +9330,13 @@
   <p:clrMapOvr>
     <a:masterClrMapping/>
   </p:clrMapOvr>
+  <p:timing>
+    <p:tnLst>
+      <p:par>
+        <p:cTn id="1" dur="indefinite" restart="never" nodeType="tmRoot"/>
+      </p:par>
+    </p:tnLst>
+  </p:timing>
 </p:sld>
 </file>
 
@@ -9238,6 +9427,13 @@
   <p:clrMapOvr>
     <a:masterClrMapping/>
   </p:clrMapOvr>
+  <p:timing>
+    <p:tnLst>
+      <p:par>
+        <p:cTn id="1" dur="indefinite" restart="never" nodeType="tmRoot"/>
+      </p:par>
+    </p:tnLst>
+  </p:timing>
 </p:sld>
 </file>
 
